--- a/kaizen/бланк_КП.pptx
+++ b/kaizen/бланк_КП.pptx
@@ -7370,11 +7370,7 @@
           <a:p>
             <a:r>
               <a:rPr lang="ru-RU" sz="1200" b="1" dirty="0" smtClean="0"/>
-              <a:t>2.Предлагаемое </a:t>
-            </a:r>
-            <a:r>
-              <a:rPr lang="ru-RU" sz="1200" b="1" dirty="0" smtClean="0"/>
-              <a:t>улучшение: </a:t>
+              <a:t>2.Предлагаемое улучшение: </a:t>
             </a:r>
             <a:r>
               <a:rPr lang="ru-RU" sz="1050" i="1" dirty="0" smtClean="0"/>
@@ -7871,26 +7867,26 @@
           <p:nvPr>
             <p:extLst>
               <p:ext uri="{D42A27DB-BD31-4B8C-83A1-F6EECF244321}">
-                <p14:modId xmlns:p14="http://schemas.microsoft.com/office/powerpoint/2010/main" val="626554281"/>
+                <p14:modId xmlns:p14="http://schemas.microsoft.com/office/powerpoint/2010/main" val="245655787"/>
               </p:ext>
             </p:extLst>
           </p:nvPr>
         </p:nvGraphicFramePr>
         <p:xfrm>
-          <a:off x="4649129" y="2449564"/>
-          <a:ext cx="4373880" cy="3841903"/>
+          <a:off x="4649128" y="2449565"/>
+          <a:ext cx="4387368" cy="3617054"/>
         </p:xfrm>
         <a:graphic>
           <a:graphicData uri="http://schemas.openxmlformats.org/drawingml/2006/table">
             <a:tbl>
               <a:tblPr/>
               <a:tblGrid>
-                <a:gridCol w="2499360"/>
-                <a:gridCol w="833120"/>
-                <a:gridCol w="624840"/>
-                <a:gridCol w="416560"/>
+                <a:gridCol w="2507442"/>
+                <a:gridCol w="835814"/>
+                <a:gridCol w="540056"/>
+                <a:gridCol w="504056"/>
               </a:tblGrid>
-              <a:tr h="262714">
+              <a:tr h="247339">
                 <a:tc gridSpan="4">
                   <a:txBody>
                     <a:bodyPr/>
@@ -8211,7 +8207,7 @@
                   </a:tcPr>
                 </a:tc>
               </a:tr>
-              <a:tr h="619697">
+              <a:tr h="583429">
                 <a:tc>
                   <a:txBody>
                     <a:bodyPr/>
@@ -8564,13 +8560,69 @@
                   </a:tcPr>
                 </a:tc>
               </a:tr>
-              <a:tr h="2959492">
+              <a:tr h="2786286">
                 <a:tc>
                   <a:txBody>
                     <a:bodyPr/>
                     <a:lstStyle/>
                     <a:p>
-                      <a:endParaRPr lang="ru-RU" sz="1800" dirty="0"/>
+                      <a:pPr marL="171450" indent="-171450">
+                        <a:buFontTx/>
+                        <a:buChar char="-"/>
+                      </a:pPr>
+                      <a:r>
+                        <a:rPr lang="ru-RU" sz="900" dirty="0" smtClean="0"/>
+                        <a:t>Разработан и внедрен метод фиксации входа пользователя в систему и выхода пользователя из</a:t>
+                      </a:r>
+                      <a:r>
+                        <a:rPr lang="ru-RU" sz="900" baseline="0" dirty="0" smtClean="0"/>
+                        <a:t> системы, данные записываются в </a:t>
+                      </a:r>
+                      <a:r>
+                        <a:rPr lang="en-US" sz="900" baseline="0" dirty="0" smtClean="0"/>
+                        <a:t>log-</a:t>
+                      </a:r>
+                      <a:r>
+                        <a:rPr lang="ru-RU" sz="900" baseline="0" dirty="0" smtClean="0"/>
+                        <a:t>файл;</a:t>
+                      </a:r>
+                    </a:p>
+                    <a:p>
+                      <a:pPr marL="171450" indent="-171450">
+                        <a:buFontTx/>
+                        <a:buChar char="-"/>
+                      </a:pPr>
+                      <a:r>
+                        <a:rPr lang="ru-RU" sz="900" dirty="0" smtClean="0"/>
+                        <a:t>Создана база данных, в которую импортируются данные из </a:t>
+                      </a:r>
+                      <a:r>
+                        <a:rPr lang="en-US" sz="900" baseline="0" dirty="0" smtClean="0"/>
+                        <a:t>log</a:t>
+                      </a:r>
+                      <a:r>
+                        <a:rPr lang="ru-RU" sz="900" baseline="0" dirty="0" smtClean="0"/>
+                        <a:t>-файла,  а также данные по сотрудникам </a:t>
+                      </a:r>
+                      <a:r>
+                        <a:rPr lang="ru-RU" sz="900" baseline="0" dirty="0" err="1" smtClean="0"/>
+                        <a:t>КнАФ</a:t>
+                      </a:r>
+                      <a:r>
+                        <a:rPr lang="ru-RU" sz="900" baseline="0" dirty="0" smtClean="0"/>
+                        <a:t> из телефонной книги,  1С и контроллера домена (данные по учетным записям)</a:t>
+                      </a:r>
+                    </a:p>
+                    <a:p>
+                      <a:pPr marL="171450" indent="-171450">
+                        <a:buFontTx/>
+                        <a:buChar char="-"/>
+                      </a:pPr>
+                      <a:r>
+                        <a:rPr lang="ru-RU" sz="900" baseline="0" dirty="0" smtClean="0"/>
+                        <a:t>Разработан сайт, обрабатывающий информацию из базы данных, для формирования отчетности, на основе которого осуществляется поиск необходимых сведений по сотруднику или компьютеру.</a:t>
+                      </a:r>
+                      <a:endParaRPr lang="ru-RU" sz="900" dirty="0"/>
                     </a:p>
                   </a:txBody>
                   <a:tcPr horzOverflow="overflow">
@@ -9070,7 +9122,7 @@
         </p:nvSpPr>
         <p:spPr>
           <a:xfrm>
-            <a:off x="4614535" y="6186413"/>
+            <a:off x="4614535" y="6165304"/>
             <a:ext cx="4493455" cy="646331"/>
           </a:xfrm>
           <a:prstGeom prst="rect">
@@ -13788,7 +13840,7 @@
           <p:nvPr>
             <p:extLst>
               <p:ext uri="{D42A27DB-BD31-4B8C-83A1-F6EECF244321}">
-                <p14:modId xmlns:p14="http://schemas.microsoft.com/office/powerpoint/2010/main" val="4232927839"/>
+                <p14:modId xmlns:p14="http://schemas.microsoft.com/office/powerpoint/2010/main" val="1746000541"/>
               </p:ext>
             </p:extLst>
           </p:nvPr>
@@ -13802,8 +13854,8 @@
             <a:tbl>
               <a:tblPr/>
               <a:tblGrid>
-                <a:gridCol w="1984941"/>
-                <a:gridCol w="7002834"/>
+                <a:gridCol w="3065061"/>
+                <a:gridCol w="5922714"/>
               </a:tblGrid>
               <a:tr h="483271">
                 <a:tc gridSpan="2">
@@ -14260,35 +14312,17 @@
                           <a:latin typeface="Times New Roman"/>
                           <a:cs typeface="Times New Roman"/>
                         </a:rPr>
-                        <a:t> система в </a:t>
+                        <a:t> система в формате сайта, доступного для локально-вычислительной</a:t>
                       </a:r>
-                      <a:r>
-                        <a:rPr lang="ru-RU" sz="1000" baseline="0" smtClean="0">
-                          <a:latin typeface="Times New Roman"/>
-                          <a:cs typeface="Times New Roman"/>
-                        </a:rPr>
-                        <a:t>формате </a:t>
-                      </a:r>
-                      <a:r>
-                        <a:rPr lang="ru-RU" sz="1000" baseline="0" smtClean="0">
-                          <a:latin typeface="Times New Roman"/>
-                          <a:cs typeface="Times New Roman"/>
-                        </a:rPr>
-                        <a:t>сайта, </a:t>
-                      </a:r>
+                    </a:p>
+                    <a:p>
+                      <a:pPr algn="ctr"/>
                       <a:r>
                         <a:rPr lang="ru-RU" sz="1000" baseline="0" dirty="0" smtClean="0">
                           <a:latin typeface="Times New Roman"/>
                           <a:cs typeface="Times New Roman"/>
                         </a:rPr>
-                        <a:t>доступного для </a:t>
-                      </a:r>
-                      <a:r>
-                        <a:rPr lang="ru-RU" sz="1000" baseline="0" dirty="0" smtClean="0">
-                          <a:latin typeface="Times New Roman"/>
-                          <a:cs typeface="Times New Roman"/>
-                        </a:rPr>
-                        <a:t>локально-вычислительной сети </a:t>
+                        <a:t>сети </a:t>
                       </a:r>
                       <a:r>
                         <a:rPr lang="ru-RU" sz="1000" baseline="0" dirty="0" err="1" smtClean="0">
@@ -15156,8 +15190,13 @@
             <a:pPr algn="ctr"/>
             <a:r>
               <a:rPr lang="ru-RU" b="1" dirty="0" smtClean="0"/>
-              <a:t>Кайдзен-отчет № _______</a:t>
-            </a:r>
+              <a:t>Кайдзен-отчет № </a:t>
+            </a:r>
+            <a:r>
+              <a:rPr lang="ru-RU" b="1" dirty="0" smtClean="0"/>
+              <a:t>860-03/2017</a:t>
+            </a:r>
+            <a:endParaRPr lang="ru-RU" b="1" dirty="0" smtClean="0"/>
           </a:p>
         </p:txBody>
       </p:sp>
@@ -15684,7 +15723,7 @@
             </a:r>
             <a:r>
               <a:rPr lang="ru-RU" sz="1200" dirty="0" smtClean="0"/>
-              <a:t> улучшения, мин. ____5-480____</a:t>
+              <a:t> улучшения, мин. ___до 480__</a:t>
             </a:r>
             <a:endParaRPr lang="ru-RU" sz="1200" dirty="0"/>
           </a:p>
@@ -16120,7 +16159,7 @@
         </p:blipFill>
         <p:spPr bwMode="auto">
           <a:xfrm>
-            <a:off x="2123728" y="1556793"/>
+            <a:off x="142845" y="1369783"/>
             <a:ext cx="2908421" cy="1872208"/>
           </a:xfrm>
           <a:prstGeom prst="rect">
@@ -16155,7 +16194,7 @@
         </p:blipFill>
         <p:spPr bwMode="auto">
           <a:xfrm>
-            <a:off x="5665680" y="1546447"/>
+            <a:off x="3171477" y="2132856"/>
             <a:ext cx="3246526" cy="1882554"/>
           </a:xfrm>
           <a:prstGeom prst="rect">
@@ -16212,7 +16251,7 @@
         </p:nvSpPr>
         <p:spPr>
           <a:xfrm>
-            <a:off x="3261850" y="2623145"/>
+            <a:off x="191966" y="2852281"/>
             <a:ext cx="1723549" cy="338554"/>
           </a:xfrm>
           <a:prstGeom prst="rect">
@@ -16266,7 +16305,7 @@
         </p:nvSpPr>
         <p:spPr>
           <a:xfrm>
-            <a:off x="7167283" y="1844222"/>
+            <a:off x="3280399" y="3444173"/>
             <a:ext cx="1721946" cy="461665"/>
           </a:xfrm>
           <a:prstGeom prst="rect">
@@ -16280,7 +16319,6 @@
           </a:bodyPr>
           <a:lstStyle/>
           <a:p>
-            <a:pPr algn="r"/>
             <a:r>
               <a:rPr lang="ru-RU" sz="800" dirty="0" smtClean="0">
                 <a:solidFill>
@@ -16293,7 +16331,6 @@
             </a:r>
           </a:p>
           <a:p>
-            <a:pPr algn="r"/>
             <a:r>
               <a:rPr lang="ru-RU" sz="800" dirty="0" smtClean="0">
                 <a:solidFill>
@@ -16306,7 +16343,6 @@
             </a:r>
           </a:p>
           <a:p>
-            <a:pPr algn="r"/>
             <a:r>
               <a:rPr lang="ru-RU" sz="800" b="1" u="sng" dirty="0" smtClean="0">
                 <a:solidFill>
@@ -16404,7 +16440,7 @@
         </p:blipFill>
         <p:spPr bwMode="auto">
           <a:xfrm>
-            <a:off x="2123728" y="3109702"/>
+            <a:off x="6129822" y="1768893"/>
             <a:ext cx="2861671" cy="868019"/>
           </a:xfrm>
           <a:prstGeom prst="rect">
@@ -16426,8 +16462,8 @@
         </p:nvSpPr>
         <p:spPr>
           <a:xfrm>
-            <a:off x="3666265" y="3134945"/>
-            <a:ext cx="1343637" cy="461665"/>
+            <a:off x="6834617" y="1768893"/>
+            <a:ext cx="2129871" cy="461665"/>
           </a:xfrm>
           <a:prstGeom prst="rect">
             <a:avLst/>
@@ -16435,7 +16471,7 @@
           <a:noFill/>
         </p:spPr>
         <p:txBody>
-          <a:bodyPr wrap="none" rtlCol="0">
+          <a:bodyPr wrap="square" rtlCol="0">
             <a:spAutoFit/>
           </a:bodyPr>
           <a:lstStyle/>

--- a/kaizen/бланк_КП.pptx
+++ b/kaizen/бланк_КП.pptx
@@ -10551,14 +10551,14 @@
           <p:nvPr>
             <p:extLst>
               <p:ext uri="{D42A27DB-BD31-4B8C-83A1-F6EECF244321}">
-                <p14:modId xmlns:p14="http://schemas.microsoft.com/office/powerpoint/2010/main" val="1471330254"/>
+                <p14:modId xmlns:p14="http://schemas.microsoft.com/office/powerpoint/2010/main" val="811001091"/>
               </p:ext>
             </p:extLst>
           </p:nvPr>
         </p:nvGraphicFramePr>
         <p:xfrm>
           <a:off x="54666" y="3398120"/>
-          <a:ext cx="4393095" cy="1399032"/>
+          <a:ext cx="4393095" cy="1261872"/>
         </p:xfrm>
         <a:graphic>
           <a:graphicData uri="http://schemas.openxmlformats.org/drawingml/2006/table">
@@ -12181,7 +12181,85 @@
                           <a:effectLst/>
                           <a:latin typeface="Arial" charset="0"/>
                         </a:rPr>
-                        <a:t>доступной для внутреннего использования сотрудниками Департамента Информационных Технологий, содержащую всю необходимую информацию о специалисте, для оперативного получения необходимых сведений как о сотруднике, так и о его автоматизированном рабочем месте, с целью оперативного получению необходимых данных для начала или продолжения работы над устранением описанной проблемы в заявке </a:t>
+                        <a:t>доступной для внутреннего использования </a:t>
+                      </a:r>
+                      <a:r>
+                        <a:rPr kumimoji="0" lang="ru-RU" sz="900" b="0" i="0" u="none" strike="noStrike" cap="none" normalizeH="0" baseline="0" dirty="0" smtClean="0">
+                          <a:ln>
+                            <a:noFill/>
+                          </a:ln>
+                          <a:solidFill>
+                            <a:schemeClr val="tx1"/>
+                          </a:solidFill>
+                          <a:effectLst/>
+                          <a:latin typeface="Arial" charset="0"/>
+                        </a:rPr>
+                        <a:t>специалистами Департамента </a:t>
+                      </a:r>
+                      <a:r>
+                        <a:rPr kumimoji="0" lang="ru-RU" sz="900" b="0" i="0" u="none" strike="noStrike" cap="none" normalizeH="0" baseline="0" dirty="0" smtClean="0">
+                          <a:ln>
+                            <a:noFill/>
+                          </a:ln>
+                          <a:solidFill>
+                            <a:schemeClr val="tx1"/>
+                          </a:solidFill>
+                          <a:effectLst/>
+                          <a:latin typeface="Arial" charset="0"/>
+                        </a:rPr>
+                        <a:t>Информационных Технологий, содержащую всю необходимую информацию </a:t>
+                      </a:r>
+                      <a:r>
+                        <a:rPr kumimoji="0" lang="ru-RU" sz="900" b="0" i="0" u="none" strike="noStrike" cap="none" normalizeH="0" baseline="0" dirty="0" smtClean="0">
+                          <a:ln>
+                            <a:noFill/>
+                          </a:ln>
+                          <a:solidFill>
+                            <a:schemeClr val="tx1"/>
+                          </a:solidFill>
+                          <a:effectLst/>
+                          <a:latin typeface="Arial" charset="0"/>
+                        </a:rPr>
+                        <a:t>как </a:t>
+                      </a:r>
+                      <a:r>
+                        <a:rPr kumimoji="0" lang="ru-RU" sz="900" b="0" i="0" u="none" strike="noStrike" cap="none" normalizeH="0" baseline="0" dirty="0" smtClean="0">
+                          <a:ln>
+                            <a:noFill/>
+                          </a:ln>
+                          <a:solidFill>
+                            <a:schemeClr val="tx1"/>
+                          </a:solidFill>
+                          <a:effectLst/>
+                          <a:latin typeface="Arial" charset="0"/>
+                        </a:rPr>
+                        <a:t>о сотруднике, так и о его автоматизированном рабочем месте, с целью оперативного получению </a:t>
+                      </a:r>
+                      <a:r>
+                        <a:rPr kumimoji="0" lang="ru-RU" sz="900" b="0" i="0" u="none" strike="noStrike" cap="none" normalizeH="0" baseline="0" dirty="0" smtClean="0">
+                          <a:ln>
+                            <a:noFill/>
+                          </a:ln>
+                          <a:solidFill>
+                            <a:schemeClr val="tx1"/>
+                          </a:solidFill>
+                          <a:effectLst/>
+                          <a:latin typeface="Arial" charset="0"/>
+                        </a:rPr>
+                        <a:t>требуемых </a:t>
+                      </a:r>
+                      <a:r>
+                        <a:rPr kumimoji="0" lang="ru-RU" sz="900" b="0" i="0" u="none" strike="noStrike" cap="none" normalizeH="0" baseline="0" dirty="0" smtClean="0">
+                          <a:ln>
+                            <a:noFill/>
+                          </a:ln>
+                          <a:solidFill>
+                            <a:schemeClr val="tx1"/>
+                          </a:solidFill>
+                          <a:effectLst/>
+                          <a:latin typeface="Arial" charset="0"/>
+                        </a:rPr>
+                        <a:t>данных для начала или продолжения работы над устранением описанной проблемы в заявке </a:t>
                       </a:r>
                       <a:r>
                         <a:rPr kumimoji="0" lang="en-US" sz="900" b="0" i="0" u="none" strike="noStrike" cap="none" normalizeH="0" baseline="0" dirty="0" smtClean="0">
@@ -15190,13 +15268,8 @@
             <a:pPr algn="ctr"/>
             <a:r>
               <a:rPr lang="ru-RU" b="1" dirty="0" smtClean="0"/>
-              <a:t>Кайдзен-отчет № </a:t>
-            </a:r>
-            <a:r>
-              <a:rPr lang="ru-RU" b="1" dirty="0" smtClean="0"/>
-              <a:t>860-03/2017</a:t>
-            </a:r>
-            <a:endParaRPr lang="ru-RU" b="1" dirty="0" smtClean="0"/>
+              <a:t>Кайдзен-отчет № 860-03/2017</a:t>
+            </a:r>
           </a:p>
         </p:txBody>
       </p:sp>
@@ -17106,9 +17179,12 @@
 </file>
 
 <file path=customXml/item1.xml><?xml version="1.0" encoding="utf-8"?>
-<p:properties xmlns:p="http://schemas.microsoft.com/office/2006/metadata/properties" xmlns:xsi="http://www.w3.org/2001/XMLSchema-instance" xmlns:pc="http://schemas.microsoft.com/office/infopath/2007/PartnerControls">
-  <documentManagement/>
-</p:properties>
+<?mso-contentType ?>
+<FormTemplates xmlns="http://schemas.microsoft.com/sharepoint/v3/contenttype/forms">
+  <Display>DocumentLibraryForm</Display>
+  <Edit>DocumentLibraryForm</Edit>
+  <New>DocumentLibraryForm</New>
+</FormTemplates>
 </file>
 
 <file path=customXml/item2.xml><?xml version="1.0" encoding="utf-8"?>
@@ -17252,19 +17328,15 @@
 </file>
 
 <file path=customXml/item3.xml><?xml version="1.0" encoding="utf-8"?>
-<?mso-contentType ?>
-<FormTemplates xmlns="http://schemas.microsoft.com/sharepoint/v3/contenttype/forms">
-  <Display>DocumentLibraryForm</Display>
-  <Edit>DocumentLibraryForm</Edit>
-  <New>DocumentLibraryForm</New>
-</FormTemplates>
+<p:properties xmlns:p="http://schemas.microsoft.com/office/2006/metadata/properties" xmlns:xsi="http://www.w3.org/2001/XMLSchema-instance" xmlns:pc="http://schemas.microsoft.com/office/infopath/2007/PartnerControls">
+  <documentManagement/>
+</p:properties>
 </file>
 
 <file path=customXml/itemProps1.xml><?xml version="1.0" encoding="utf-8"?>
-<ds:datastoreItem xmlns:ds="http://schemas.openxmlformats.org/officeDocument/2006/customXml" ds:itemID="{D6B289C2-C300-4915-A37D-CCD4D4DEEBE0}">
+<ds:datastoreItem xmlns:ds="http://schemas.openxmlformats.org/officeDocument/2006/customXml" ds:itemID="{908C4EC9-4E9B-4B68-B175-D2472E63A8E7}">
   <ds:schemaRefs>
-    <ds:schemaRef ds:uri="http://schemas.microsoft.com/office/2006/metadata/properties"/>
-    <ds:schemaRef ds:uri="http://schemas.microsoft.com/office/infopath/2007/PartnerControls"/>
+    <ds:schemaRef ds:uri="http://schemas.microsoft.com/sharepoint/v3/contenttype/forms"/>
   </ds:schemaRefs>
 </ds:datastoreItem>
 </file>
@@ -17288,9 +17360,10 @@
 </file>
 
 <file path=customXml/itemProps3.xml><?xml version="1.0" encoding="utf-8"?>
-<ds:datastoreItem xmlns:ds="http://schemas.openxmlformats.org/officeDocument/2006/customXml" ds:itemID="{908C4EC9-4E9B-4B68-B175-D2472E63A8E7}">
+<ds:datastoreItem xmlns:ds="http://schemas.openxmlformats.org/officeDocument/2006/customXml" ds:itemID="{D6B289C2-C300-4915-A37D-CCD4D4DEEBE0}">
   <ds:schemaRefs>
-    <ds:schemaRef ds:uri="http://schemas.microsoft.com/sharepoint/v3/contenttype/forms"/>
+    <ds:schemaRef ds:uri="http://schemas.microsoft.com/office/2006/metadata/properties"/>
+    <ds:schemaRef ds:uri="http://schemas.microsoft.com/office/infopath/2007/PartnerControls"/>
   </ds:schemaRefs>
 </ds:datastoreItem>
 </file>